--- a/Slides/RNN/RNN.pptx
+++ b/Slides/RNN/RNN.pptx
@@ -9,8 +9,10 @@
     <p:sldId id="257" r:id="rId3"/>
     <p:sldId id="258" r:id="rId4"/>
     <p:sldId id="259" r:id="rId5"/>
-    <p:sldId id="260" r:id="rId6"/>
-    <p:sldId id="261" r:id="rId7"/>
+    <p:sldId id="263" r:id="rId6"/>
+    <p:sldId id="262" r:id="rId7"/>
+    <p:sldId id="260" r:id="rId8"/>
+    <p:sldId id="261" r:id="rId9"/>
   </p:sldIdLst>
   <p:sldSz cx="12192000" cy="6858000"/>
   <p:notesSz cx="6858000" cy="9144000"/>
@@ -109,6 +111,11 @@
       </a:defRPr>
     </a:lvl9pPr>
   </p:defaultTextStyle>
+  <p:extLst>
+    <p:ext uri="{EFAFB233-063F-42B5-8137-9DF3F51BA10A}">
+      <p15:sldGuideLst xmlns:p15="http://schemas.microsoft.com/office/powerpoint/2012/main"/>
+    </p:ext>
+  </p:extLst>
 </p:presentation>
 </file>
 
@@ -3688,6 +3695,216 @@
           <a:chExt cx="0" cy="0"/>
         </a:xfrm>
       </p:grpSpPr>
+      <p:sp>
+        <p:nvSpPr>
+          <p:cNvPr id="2" name="Title 1">
+            <a:extLst>
+              <a:ext uri="{FF2B5EF4-FFF2-40B4-BE49-F238E27FC236}">
+                <a16:creationId xmlns:a16="http://schemas.microsoft.com/office/drawing/2014/main" id="{90BCE72A-77DC-86BF-757C-EB3EBE26870A}"/>
+              </a:ext>
+            </a:extLst>
+          </p:cNvPr>
+          <p:cNvSpPr>
+            <a:spLocks noGrp="1"/>
+          </p:cNvSpPr>
+          <p:nvPr>
+            <p:ph type="title"/>
+          </p:nvPr>
+        </p:nvSpPr>
+        <p:spPr/>
+        <p:txBody>
+          <a:bodyPr/>
+          <a:lstStyle/>
+          <a:p>
+            <a:r>
+              <a:rPr lang="en-US" dirty="0"/>
+              <a:t>RNN</a:t>
+            </a:r>
+          </a:p>
+        </p:txBody>
+      </p:sp>
+      <p:pic>
+        <p:nvPicPr>
+          <p:cNvPr id="2050" name="Picture 2" descr="A Guide to Bidirectional RNNs With Keras | Paperspace Blog">
+            <a:extLst>
+              <a:ext uri="{FF2B5EF4-FFF2-40B4-BE49-F238E27FC236}">
+                <a16:creationId xmlns:a16="http://schemas.microsoft.com/office/drawing/2014/main" id="{82BD85B1-18F9-486B-C24C-4124948A4D65}"/>
+              </a:ext>
+            </a:extLst>
+          </p:cNvPr>
+          <p:cNvPicPr>
+            <a:picLocks noChangeAspect="1" noChangeArrowheads="1"/>
+          </p:cNvPicPr>
+          <p:nvPr/>
+        </p:nvPicPr>
+        <p:blipFill>
+          <a:blip r:embed="rId2">
+            <a:extLst>
+              <a:ext uri="{28A0092B-C50C-407E-A947-70E740481C1C}">
+                <a14:useLocalDpi xmlns:a14="http://schemas.microsoft.com/office/drawing/2010/main" val="0"/>
+              </a:ext>
+            </a:extLst>
+          </a:blip>
+          <a:srcRect/>
+          <a:stretch>
+            <a:fillRect/>
+          </a:stretch>
+        </p:blipFill>
+        <p:spPr bwMode="auto">
+          <a:xfrm>
+            <a:off x="1001954" y="1840424"/>
+            <a:ext cx="10188091" cy="2674374"/>
+          </a:xfrm>
+          <a:prstGeom prst="rect">
+            <a:avLst/>
+          </a:prstGeom>
+          <a:noFill/>
+          <a:extLst>
+            <a:ext uri="{909E8E84-426E-40DD-AFC4-6F175D3DCCD1}">
+              <a14:hiddenFill xmlns:a14="http://schemas.microsoft.com/office/drawing/2010/main">
+                <a:solidFill>
+                  <a:srgbClr val="FFFFFF"/>
+                </a:solidFill>
+              </a14:hiddenFill>
+            </a:ext>
+          </a:extLst>
+        </p:spPr>
+      </p:pic>
+    </p:spTree>
+    <p:extLst>
+      <p:ext uri="{BB962C8B-B14F-4D97-AF65-F5344CB8AC3E}">
+        <p14:creationId xmlns:p14="http://schemas.microsoft.com/office/powerpoint/2010/main" val="2898315280"/>
+      </p:ext>
+    </p:extLst>
+  </p:cSld>
+  <p:clrMapOvr>
+    <a:masterClrMapping/>
+  </p:clrMapOvr>
+</p:sld>
+</file>
+
+<file path=ppt/slides/slide6.xml><?xml version="1.0" encoding="utf-8"?>
+<p:sld xmlns:a="http://schemas.openxmlformats.org/drawingml/2006/main" xmlns:r="http://schemas.openxmlformats.org/officeDocument/2006/relationships" xmlns:p="http://schemas.openxmlformats.org/presentationml/2006/main">
+  <p:cSld>
+    <p:spTree>
+      <p:nvGrpSpPr>
+        <p:cNvPr id="1" name=""/>
+        <p:cNvGrpSpPr/>
+        <p:nvPr/>
+      </p:nvGrpSpPr>
+      <p:grpSpPr>
+        <a:xfrm>
+          <a:off x="0" y="0"/>
+          <a:ext cx="0" cy="0"/>
+          <a:chOff x="0" y="0"/>
+          <a:chExt cx="0" cy="0"/>
+        </a:xfrm>
+      </p:grpSpPr>
+      <p:sp>
+        <p:nvSpPr>
+          <p:cNvPr id="2" name="Title 1">
+            <a:extLst>
+              <a:ext uri="{FF2B5EF4-FFF2-40B4-BE49-F238E27FC236}">
+                <a16:creationId xmlns:a16="http://schemas.microsoft.com/office/drawing/2014/main" id="{B550B5ED-4630-42C6-04AA-9CC813D20D4F}"/>
+              </a:ext>
+            </a:extLst>
+          </p:cNvPr>
+          <p:cNvSpPr>
+            <a:spLocks noGrp="1"/>
+          </p:cNvSpPr>
+          <p:nvPr>
+            <p:ph type="title"/>
+          </p:nvPr>
+        </p:nvSpPr>
+        <p:spPr/>
+        <p:txBody>
+          <a:bodyPr/>
+          <a:lstStyle/>
+          <a:p>
+            <a:r>
+              <a:rPr lang="en-US" dirty="0"/>
+              <a:t>Bidirectional RNN</a:t>
+            </a:r>
+          </a:p>
+        </p:txBody>
+      </p:sp>
+      <p:pic>
+        <p:nvPicPr>
+          <p:cNvPr id="1026" name="Picture 2" descr="Understanding Bidirectional RNN in PyTorch | by Ceshine Lee ...">
+            <a:extLst>
+              <a:ext uri="{FF2B5EF4-FFF2-40B4-BE49-F238E27FC236}">
+                <a16:creationId xmlns:a16="http://schemas.microsoft.com/office/drawing/2014/main" id="{50AA7EBF-8714-5969-5C9E-30EB007430BB}"/>
+              </a:ext>
+            </a:extLst>
+          </p:cNvPr>
+          <p:cNvPicPr>
+            <a:picLocks noChangeAspect="1" noChangeArrowheads="1"/>
+          </p:cNvPicPr>
+          <p:nvPr/>
+        </p:nvPicPr>
+        <p:blipFill>
+          <a:blip r:embed="rId2">
+            <a:extLst>
+              <a:ext uri="{28A0092B-C50C-407E-A947-70E740481C1C}">
+                <a14:useLocalDpi xmlns:a14="http://schemas.microsoft.com/office/drawing/2010/main" val="0"/>
+              </a:ext>
+            </a:extLst>
+          </a:blip>
+          <a:srcRect/>
+          <a:stretch>
+            <a:fillRect/>
+          </a:stretch>
+        </p:blipFill>
+        <p:spPr bwMode="auto">
+          <a:xfrm>
+            <a:off x="399159" y="1952205"/>
+            <a:ext cx="11393681" cy="4026563"/>
+          </a:xfrm>
+          <a:prstGeom prst="rect">
+            <a:avLst/>
+          </a:prstGeom>
+          <a:noFill/>
+          <a:extLst>
+            <a:ext uri="{909E8E84-426E-40DD-AFC4-6F175D3DCCD1}">
+              <a14:hiddenFill xmlns:a14="http://schemas.microsoft.com/office/drawing/2010/main">
+                <a:solidFill>
+                  <a:srgbClr val="FFFFFF"/>
+                </a:solidFill>
+              </a14:hiddenFill>
+            </a:ext>
+          </a:extLst>
+        </p:spPr>
+      </p:pic>
+    </p:spTree>
+    <p:extLst>
+      <p:ext uri="{BB962C8B-B14F-4D97-AF65-F5344CB8AC3E}">
+        <p14:creationId xmlns:p14="http://schemas.microsoft.com/office/powerpoint/2010/main" val="1896136896"/>
+      </p:ext>
+    </p:extLst>
+  </p:cSld>
+  <p:clrMapOvr>
+    <a:masterClrMapping/>
+  </p:clrMapOvr>
+</p:sld>
+</file>
+
+<file path=ppt/slides/slide7.xml><?xml version="1.0" encoding="utf-8"?>
+<p:sld xmlns:a="http://schemas.openxmlformats.org/drawingml/2006/main" xmlns:r="http://schemas.openxmlformats.org/officeDocument/2006/relationships" xmlns:p="http://schemas.openxmlformats.org/presentationml/2006/main">
+  <p:cSld>
+    <p:spTree>
+      <p:nvGrpSpPr>
+        <p:cNvPr id="1" name=""/>
+        <p:cNvGrpSpPr/>
+        <p:nvPr/>
+      </p:nvGrpSpPr>
+      <p:grpSpPr>
+        <a:xfrm>
+          <a:off x="0" y="0"/>
+          <a:ext cx="0" cy="0"/>
+          <a:chOff x="0" y="0"/>
+          <a:chExt cx="0" cy="0"/>
+        </a:xfrm>
+      </p:grpSpPr>
       <p:pic>
         <p:nvPicPr>
           <p:cNvPr id="8194" name="Picture 2">
@@ -3746,7 +3963,7 @@
 </p:sld>
 </file>
 
-<file path=ppt/slides/slide6.xml><?xml version="1.0" encoding="utf-8"?>
+<file path=ppt/slides/slide8.xml><?xml version="1.0" encoding="utf-8"?>
 <p:sld xmlns:a="http://schemas.openxmlformats.org/drawingml/2006/main" xmlns:r="http://schemas.openxmlformats.org/officeDocument/2006/relationships" xmlns:p="http://schemas.openxmlformats.org/presentationml/2006/main">
   <p:cSld>
     <p:spTree>

--- a/Slides/RNN/RNN.pptx
+++ b/Slides/RNN/RNN.pptx
@@ -8,9 +8,9 @@
     <p:sldId id="256" r:id="rId2"/>
     <p:sldId id="257" r:id="rId3"/>
     <p:sldId id="258" r:id="rId4"/>
-    <p:sldId id="259" r:id="rId5"/>
-    <p:sldId id="263" r:id="rId6"/>
-    <p:sldId id="262" r:id="rId7"/>
+    <p:sldId id="263" r:id="rId5"/>
+    <p:sldId id="262" r:id="rId6"/>
+    <p:sldId id="259" r:id="rId7"/>
     <p:sldId id="260" r:id="rId8"/>
     <p:sldId id="261" r:id="rId9"/>
   </p:sldIdLst>
@@ -266,7 +266,7 @@
           <a:p>
             <a:fld id="{AA2B2C97-0254-4E0E-894B-CB0BB6B12ACF}" type="datetimeFigureOut">
               <a:rPr lang="en-US" smtClean="0"/>
-              <a:t>5/20/2023</a:t>
+              <a:t>5/21/2023</a:t>
             </a:fld>
             <a:endParaRPr lang="en-US"/>
           </a:p>
@@ -464,7 +464,7 @@
           <a:p>
             <a:fld id="{AA2B2C97-0254-4E0E-894B-CB0BB6B12ACF}" type="datetimeFigureOut">
               <a:rPr lang="en-US" smtClean="0"/>
-              <a:t>5/20/2023</a:t>
+              <a:t>5/21/2023</a:t>
             </a:fld>
             <a:endParaRPr lang="en-US"/>
           </a:p>
@@ -672,7 +672,7 @@
           <a:p>
             <a:fld id="{AA2B2C97-0254-4E0E-894B-CB0BB6B12ACF}" type="datetimeFigureOut">
               <a:rPr lang="en-US" smtClean="0"/>
-              <a:t>5/20/2023</a:t>
+              <a:t>5/21/2023</a:t>
             </a:fld>
             <a:endParaRPr lang="en-US"/>
           </a:p>
@@ -870,7 +870,7 @@
           <a:p>
             <a:fld id="{AA2B2C97-0254-4E0E-894B-CB0BB6B12ACF}" type="datetimeFigureOut">
               <a:rPr lang="en-US" smtClean="0"/>
-              <a:t>5/20/2023</a:t>
+              <a:t>5/21/2023</a:t>
             </a:fld>
             <a:endParaRPr lang="en-US"/>
           </a:p>
@@ -1145,7 +1145,7 @@
           <a:p>
             <a:fld id="{AA2B2C97-0254-4E0E-894B-CB0BB6B12ACF}" type="datetimeFigureOut">
               <a:rPr lang="en-US" smtClean="0"/>
-              <a:t>5/20/2023</a:t>
+              <a:t>5/21/2023</a:t>
             </a:fld>
             <a:endParaRPr lang="en-US"/>
           </a:p>
@@ -1410,7 +1410,7 @@
           <a:p>
             <a:fld id="{AA2B2C97-0254-4E0E-894B-CB0BB6B12ACF}" type="datetimeFigureOut">
               <a:rPr lang="en-US" smtClean="0"/>
-              <a:t>5/20/2023</a:t>
+              <a:t>5/21/2023</a:t>
             </a:fld>
             <a:endParaRPr lang="en-US"/>
           </a:p>
@@ -1822,7 +1822,7 @@
           <a:p>
             <a:fld id="{AA2B2C97-0254-4E0E-894B-CB0BB6B12ACF}" type="datetimeFigureOut">
               <a:rPr lang="en-US" smtClean="0"/>
-              <a:t>5/20/2023</a:t>
+              <a:t>5/21/2023</a:t>
             </a:fld>
             <a:endParaRPr lang="en-US"/>
           </a:p>
@@ -1963,7 +1963,7 @@
           <a:p>
             <a:fld id="{AA2B2C97-0254-4E0E-894B-CB0BB6B12ACF}" type="datetimeFigureOut">
               <a:rPr lang="en-US" smtClean="0"/>
-              <a:t>5/20/2023</a:t>
+              <a:t>5/21/2023</a:t>
             </a:fld>
             <a:endParaRPr lang="en-US"/>
           </a:p>
@@ -2076,7 +2076,7 @@
           <a:p>
             <a:fld id="{AA2B2C97-0254-4E0E-894B-CB0BB6B12ACF}" type="datetimeFigureOut">
               <a:rPr lang="en-US" smtClean="0"/>
-              <a:t>5/20/2023</a:t>
+              <a:t>5/21/2023</a:t>
             </a:fld>
             <a:endParaRPr lang="en-US"/>
           </a:p>
@@ -2387,7 +2387,7 @@
           <a:p>
             <a:fld id="{AA2B2C97-0254-4E0E-894B-CB0BB6B12ACF}" type="datetimeFigureOut">
               <a:rPr lang="en-US" smtClean="0"/>
-              <a:t>5/20/2023</a:t>
+              <a:t>5/21/2023</a:t>
             </a:fld>
             <a:endParaRPr lang="en-US"/>
           </a:p>
@@ -2675,7 +2675,7 @@
           <a:p>
             <a:fld id="{AA2B2C97-0254-4E0E-894B-CB0BB6B12ACF}" type="datetimeFigureOut">
               <a:rPr lang="en-US" smtClean="0"/>
-              <a:t>5/20/2023</a:t>
+              <a:t>5/21/2023</a:t>
             </a:fld>
             <a:endParaRPr lang="en-US"/>
           </a:p>
@@ -2916,7 +2916,7 @@
           <a:p>
             <a:fld id="{AA2B2C97-0254-4E0E-894B-CB0BB6B12ACF}" type="datetimeFigureOut">
               <a:rPr lang="en-US" smtClean="0"/>
-              <a:t>5/20/2023</a:t>
+              <a:t>5/21/2023</a:t>
             </a:fld>
             <a:endParaRPr lang="en-US"/>
           </a:p>
@@ -3620,81 +3620,6 @@
           <a:chExt cx="0" cy="0"/>
         </a:xfrm>
       </p:grpSpPr>
-      <p:pic>
-        <p:nvPicPr>
-          <p:cNvPr id="1026" name="Picture 2">
-            <a:extLst>
-              <a:ext uri="{FF2B5EF4-FFF2-40B4-BE49-F238E27FC236}">
-                <a16:creationId xmlns:a16="http://schemas.microsoft.com/office/drawing/2014/main" id="{CFA02279-B2D8-A6D9-56C8-BD5254E31753}"/>
-              </a:ext>
-            </a:extLst>
-          </p:cNvPr>
-          <p:cNvPicPr>
-            <a:picLocks noChangeAspect="1" noChangeArrowheads="1"/>
-          </p:cNvPicPr>
-          <p:nvPr/>
-        </p:nvPicPr>
-        <p:blipFill rotWithShape="1">
-          <a:blip r:embed="rId2">
-            <a:extLst>
-              <a:ext uri="{28A0092B-C50C-407E-A947-70E740481C1C}">
-                <a14:useLocalDpi xmlns:a14="http://schemas.microsoft.com/office/drawing/2010/main" val="0"/>
-              </a:ext>
-            </a:extLst>
-          </a:blip>
-          <a:srcRect l="3645" t="18064" r="17256" b="18487"/>
-          <a:stretch/>
-        </p:blipFill>
-        <p:spPr bwMode="auto">
-          <a:xfrm>
-            <a:off x="796412" y="352373"/>
-            <a:ext cx="10009239" cy="6002254"/>
-          </a:xfrm>
-          <a:prstGeom prst="rect">
-            <a:avLst/>
-          </a:prstGeom>
-          <a:noFill/>
-          <a:extLst>
-            <a:ext uri="{909E8E84-426E-40DD-AFC4-6F175D3DCCD1}">
-              <a14:hiddenFill xmlns:a14="http://schemas.microsoft.com/office/drawing/2010/main">
-                <a:solidFill>
-                  <a:srgbClr val="FFFFFF"/>
-                </a:solidFill>
-              </a14:hiddenFill>
-            </a:ext>
-          </a:extLst>
-        </p:spPr>
-      </p:pic>
-    </p:spTree>
-    <p:extLst>
-      <p:ext uri="{BB962C8B-B14F-4D97-AF65-F5344CB8AC3E}">
-        <p14:creationId xmlns:p14="http://schemas.microsoft.com/office/powerpoint/2010/main" val="2197010001"/>
-      </p:ext>
-    </p:extLst>
-  </p:cSld>
-  <p:clrMapOvr>
-    <a:masterClrMapping/>
-  </p:clrMapOvr>
-</p:sld>
-</file>
-
-<file path=ppt/slides/slide5.xml><?xml version="1.0" encoding="utf-8"?>
-<p:sld xmlns:a="http://schemas.openxmlformats.org/drawingml/2006/main" xmlns:r="http://schemas.openxmlformats.org/officeDocument/2006/relationships" xmlns:p="http://schemas.openxmlformats.org/presentationml/2006/main">
-  <p:cSld>
-    <p:spTree>
-      <p:nvGrpSpPr>
-        <p:cNvPr id="1" name=""/>
-        <p:cNvGrpSpPr/>
-        <p:nvPr/>
-      </p:nvGrpSpPr>
-      <p:grpSpPr>
-        <a:xfrm>
-          <a:off x="0" y="0"/>
-          <a:ext cx="0" cy="0"/>
-          <a:chOff x="0" y="0"/>
-          <a:chExt cx="0" cy="0"/>
-        </a:xfrm>
-      </p:grpSpPr>
       <p:sp>
         <p:nvSpPr>
           <p:cNvPr id="2" name="Title 1">
@@ -3783,7 +3708,7 @@
 </p:sld>
 </file>
 
-<file path=ppt/slides/slide6.xml><?xml version="1.0" encoding="utf-8"?>
+<file path=ppt/slides/slide5.xml><?xml version="1.0" encoding="utf-8"?>
 <p:sld xmlns:a="http://schemas.openxmlformats.org/drawingml/2006/main" xmlns:r="http://schemas.openxmlformats.org/officeDocument/2006/relationships" xmlns:p="http://schemas.openxmlformats.org/presentationml/2006/main">
   <p:cSld>
     <p:spTree>
@@ -3879,6 +3804,81 @@
     <p:extLst>
       <p:ext uri="{BB962C8B-B14F-4D97-AF65-F5344CB8AC3E}">
         <p14:creationId xmlns:p14="http://schemas.microsoft.com/office/powerpoint/2010/main" val="1896136896"/>
+      </p:ext>
+    </p:extLst>
+  </p:cSld>
+  <p:clrMapOvr>
+    <a:masterClrMapping/>
+  </p:clrMapOvr>
+</p:sld>
+</file>
+
+<file path=ppt/slides/slide6.xml><?xml version="1.0" encoding="utf-8"?>
+<p:sld xmlns:a="http://schemas.openxmlformats.org/drawingml/2006/main" xmlns:r="http://schemas.openxmlformats.org/officeDocument/2006/relationships" xmlns:p="http://schemas.openxmlformats.org/presentationml/2006/main">
+  <p:cSld>
+    <p:spTree>
+      <p:nvGrpSpPr>
+        <p:cNvPr id="1" name=""/>
+        <p:cNvGrpSpPr/>
+        <p:nvPr/>
+      </p:nvGrpSpPr>
+      <p:grpSpPr>
+        <a:xfrm>
+          <a:off x="0" y="0"/>
+          <a:ext cx="0" cy="0"/>
+          <a:chOff x="0" y="0"/>
+          <a:chExt cx="0" cy="0"/>
+        </a:xfrm>
+      </p:grpSpPr>
+      <p:pic>
+        <p:nvPicPr>
+          <p:cNvPr id="1026" name="Picture 2">
+            <a:extLst>
+              <a:ext uri="{FF2B5EF4-FFF2-40B4-BE49-F238E27FC236}">
+                <a16:creationId xmlns:a16="http://schemas.microsoft.com/office/drawing/2014/main" id="{CFA02279-B2D8-A6D9-56C8-BD5254E31753}"/>
+              </a:ext>
+            </a:extLst>
+          </p:cNvPr>
+          <p:cNvPicPr>
+            <a:picLocks noChangeAspect="1" noChangeArrowheads="1"/>
+          </p:cNvPicPr>
+          <p:nvPr/>
+        </p:nvPicPr>
+        <p:blipFill rotWithShape="1">
+          <a:blip r:embed="rId2">
+            <a:extLst>
+              <a:ext uri="{28A0092B-C50C-407E-A947-70E740481C1C}">
+                <a14:useLocalDpi xmlns:a14="http://schemas.microsoft.com/office/drawing/2010/main" val="0"/>
+              </a:ext>
+            </a:extLst>
+          </a:blip>
+          <a:srcRect l="3645" t="18064" r="17256" b="18487"/>
+          <a:stretch/>
+        </p:blipFill>
+        <p:spPr bwMode="auto">
+          <a:xfrm>
+            <a:off x="796412" y="352373"/>
+            <a:ext cx="10009239" cy="6002254"/>
+          </a:xfrm>
+          <a:prstGeom prst="rect">
+            <a:avLst/>
+          </a:prstGeom>
+          <a:noFill/>
+          <a:extLst>
+            <a:ext uri="{909E8E84-426E-40DD-AFC4-6F175D3DCCD1}">
+              <a14:hiddenFill xmlns:a14="http://schemas.microsoft.com/office/drawing/2010/main">
+                <a:solidFill>
+                  <a:srgbClr val="FFFFFF"/>
+                </a:solidFill>
+              </a14:hiddenFill>
+            </a:ext>
+          </a:extLst>
+        </p:spPr>
+      </p:pic>
+    </p:spTree>
+    <p:extLst>
+      <p:ext uri="{BB962C8B-B14F-4D97-AF65-F5344CB8AC3E}">
+        <p14:creationId xmlns:p14="http://schemas.microsoft.com/office/powerpoint/2010/main" val="2197010001"/>
       </p:ext>
     </p:extLst>
   </p:cSld>
